--- a/PCR_v_PLS.pptx
+++ b/PCR_v_PLS.pptx
@@ -16,9 +16,9 @@
     <p:sldId id="267" r:id="rId7"/>
     <p:sldId id="264" r:id="rId8"/>
     <p:sldId id="265" r:id="rId9"/>
-    <p:sldId id="268" r:id="rId10"/>
-    <p:sldId id="260" r:id="rId11"/>
-    <p:sldId id="269" r:id="rId12"/>
+    <p:sldId id="273" r:id="rId10"/>
+    <p:sldId id="268" r:id="rId11"/>
+    <p:sldId id="260" r:id="rId12"/>
     <p:sldId id="270" r:id="rId13"/>
     <p:sldId id="272" r:id="rId14"/>
     <p:sldId id="271" r:id="rId15"/>
@@ -210,7 +210,7 @@
           <a:p>
             <a:fld id="{B5A0452A-47CF-1345-BF7E-F515E990E109}" type="datetimeFigureOut">
               <a:rPr lang="en-US" smtClean="0"/>
-              <a:t>2/18/22</a:t>
+              <a:t>2/25/22</a:t>
             </a:fld>
             <a:endParaRPr lang="en-US"/>
           </a:p>
@@ -523,7 +523,15 @@
           <a:p>
             <a:r>
               <a:rPr lang="en-US" dirty="0"/>
-              <a:t>Mention kernels; also another hyperparameter you can tune</a:t>
+              <a:t>- For non-linearity – either kernel PLSDA or dis-</a:t>
+            </a:r>
+            <a:r>
+              <a:rPr lang="en-US" dirty="0" err="1"/>
+              <a:t>entagled</a:t>
+            </a:r>
+            <a:r>
+              <a:rPr lang="en-US" dirty="0"/>
+              <a:t> VAE </a:t>
             </a:r>
           </a:p>
         </p:txBody>
@@ -545,7 +553,7 @@
           <a:p>
             <a:fld id="{1A226780-DDB0-D24E-A7AA-FA0CFD9FDC7A}" type="slidenum">
               <a:rPr lang="en-US" smtClean="0"/>
-              <a:t>5</a:t>
+              <a:t>4</a:t>
             </a:fld>
             <a:endParaRPr lang="en-US"/>
           </a:p>
@@ -554,7 +562,7 @@
     </p:spTree>
     <p:extLst>
       <p:ext uri="{BB962C8B-B14F-4D97-AF65-F5344CB8AC3E}">
-        <p14:creationId xmlns:p14="http://schemas.microsoft.com/office/powerpoint/2010/main" val="2383688173"/>
+        <p14:creationId xmlns:p14="http://schemas.microsoft.com/office/powerpoint/2010/main" val="3883329601"/>
       </p:ext>
     </p:extLst>
   </p:cSld>
@@ -608,7 +616,10 @@
           <a:bodyPr/>
           <a:lstStyle/>
           <a:p>
-            <a:endParaRPr lang="en-US" dirty="0"/>
+            <a:r>
+              <a:rPr lang="en-US" dirty="0"/>
+              <a:t>Mention kernels; also another hyperparameter you can tune</a:t>
+            </a:r>
           </a:p>
         </p:txBody>
       </p:sp>
@@ -629,6 +640,93 @@
           <a:p>
             <a:fld id="{1A226780-DDB0-D24E-A7AA-FA0CFD9FDC7A}" type="slidenum">
               <a:rPr lang="en-US" smtClean="0"/>
+              <a:t>5</a:t>
+            </a:fld>
+            <a:endParaRPr lang="en-US"/>
+          </a:p>
+        </p:txBody>
+      </p:sp>
+    </p:spTree>
+    <p:extLst>
+      <p:ext uri="{BB962C8B-B14F-4D97-AF65-F5344CB8AC3E}">
+        <p14:creationId xmlns:p14="http://schemas.microsoft.com/office/powerpoint/2010/main" val="2383688173"/>
+      </p:ext>
+    </p:extLst>
+  </p:cSld>
+  <p:clrMapOvr>
+    <a:masterClrMapping/>
+  </p:clrMapOvr>
+</p:notes>
+</file>
+
+<file path=ppt/notesSlides/notesSlide3.xml><?xml version="1.0" encoding="utf-8"?>
+<p:notes xmlns:a="http://schemas.openxmlformats.org/drawingml/2006/main" xmlns:r="http://schemas.openxmlformats.org/officeDocument/2006/relationships" xmlns:p="http://schemas.openxmlformats.org/presentationml/2006/main">
+  <p:cSld>
+    <p:spTree>
+      <p:nvGrpSpPr>
+        <p:cNvPr id="1" name=""/>
+        <p:cNvGrpSpPr/>
+        <p:nvPr/>
+      </p:nvGrpSpPr>
+      <p:grpSpPr>
+        <a:xfrm>
+          <a:off x="0" y="0"/>
+          <a:ext cx="0" cy="0"/>
+          <a:chOff x="0" y="0"/>
+          <a:chExt cx="0" cy="0"/>
+        </a:xfrm>
+      </p:grpSpPr>
+      <p:sp>
+        <p:nvSpPr>
+          <p:cNvPr id="2" name="Slide Image Placeholder 1"/>
+          <p:cNvSpPr>
+            <a:spLocks noGrp="1" noRot="1" noChangeAspect="1"/>
+          </p:cNvSpPr>
+          <p:nvPr>
+            <p:ph type="sldImg"/>
+          </p:nvPr>
+        </p:nvSpPr>
+        <p:spPr/>
+      </p:sp>
+      <p:sp>
+        <p:nvSpPr>
+          <p:cNvPr id="3" name="Notes Placeholder 2"/>
+          <p:cNvSpPr>
+            <a:spLocks noGrp="1"/>
+          </p:cNvSpPr>
+          <p:nvPr>
+            <p:ph type="body" idx="1"/>
+          </p:nvPr>
+        </p:nvSpPr>
+        <p:spPr/>
+        <p:txBody>
+          <a:bodyPr/>
+          <a:lstStyle/>
+          <a:p>
+            <a:r>
+              <a:rPr lang="en-US" dirty="0"/>
+              <a:t>- Maybe mention how VAE may be more useful for the WP dataset. </a:t>
+            </a:r>
+          </a:p>
+        </p:txBody>
+      </p:sp>
+      <p:sp>
+        <p:nvSpPr>
+          <p:cNvPr id="4" name="Slide Number Placeholder 3"/>
+          <p:cNvSpPr>
+            <a:spLocks noGrp="1"/>
+          </p:cNvSpPr>
+          <p:nvPr>
+            <p:ph type="sldNum" sz="quarter" idx="5"/>
+          </p:nvPr>
+        </p:nvSpPr>
+        <p:spPr/>
+        <p:txBody>
+          <a:bodyPr/>
+          <a:lstStyle/>
+          <a:p>
+            <a:fld id="{1A226780-DDB0-D24E-A7AA-FA0CFD9FDC7A}" type="slidenum">
+              <a:rPr lang="en-US" smtClean="0"/>
               <a:t>6</a:t>
             </a:fld>
             <a:endParaRPr lang="en-US"/>
@@ -639,6 +737,264 @@
     <p:extLst>
       <p:ext uri="{BB962C8B-B14F-4D97-AF65-F5344CB8AC3E}">
         <p14:creationId xmlns:p14="http://schemas.microsoft.com/office/powerpoint/2010/main" val="793278611"/>
+      </p:ext>
+    </p:extLst>
+  </p:cSld>
+  <p:clrMapOvr>
+    <a:masterClrMapping/>
+  </p:clrMapOvr>
+</p:notes>
+</file>
+
+<file path=ppt/notesSlides/notesSlide4.xml><?xml version="1.0" encoding="utf-8"?>
+<p:notes xmlns:a="http://schemas.openxmlformats.org/drawingml/2006/main" xmlns:r="http://schemas.openxmlformats.org/officeDocument/2006/relationships" xmlns:p="http://schemas.openxmlformats.org/presentationml/2006/main">
+  <p:cSld>
+    <p:spTree>
+      <p:nvGrpSpPr>
+        <p:cNvPr id="1" name=""/>
+        <p:cNvGrpSpPr/>
+        <p:nvPr/>
+      </p:nvGrpSpPr>
+      <p:grpSpPr>
+        <a:xfrm>
+          <a:off x="0" y="0"/>
+          <a:ext cx="0" cy="0"/>
+          <a:chOff x="0" y="0"/>
+          <a:chExt cx="0" cy="0"/>
+        </a:xfrm>
+      </p:grpSpPr>
+      <p:sp>
+        <p:nvSpPr>
+          <p:cNvPr id="2" name="Slide Image Placeholder 1"/>
+          <p:cNvSpPr>
+            <a:spLocks noGrp="1" noRot="1" noChangeAspect="1"/>
+          </p:cNvSpPr>
+          <p:nvPr>
+            <p:ph type="sldImg"/>
+          </p:nvPr>
+        </p:nvSpPr>
+        <p:spPr/>
+      </p:sp>
+      <p:sp>
+        <p:nvSpPr>
+          <p:cNvPr id="3" name="Notes Placeholder 2"/>
+          <p:cNvSpPr>
+            <a:spLocks noGrp="1"/>
+          </p:cNvSpPr>
+          <p:nvPr>
+            <p:ph type="body" idx="1"/>
+          </p:nvPr>
+        </p:nvSpPr>
+        <p:spPr/>
+        <p:txBody>
+          <a:bodyPr/>
+          <a:lstStyle/>
+          <a:p>
+            <a:r>
+              <a:rPr lang="en-US" dirty="0"/>
+              <a:t>- Caveat – true for this not necessarily for all</a:t>
+            </a:r>
+          </a:p>
+        </p:txBody>
+      </p:sp>
+      <p:sp>
+        <p:nvSpPr>
+          <p:cNvPr id="4" name="Slide Number Placeholder 3"/>
+          <p:cNvSpPr>
+            <a:spLocks noGrp="1"/>
+          </p:cNvSpPr>
+          <p:nvPr>
+            <p:ph type="sldNum" sz="quarter" idx="5"/>
+          </p:nvPr>
+        </p:nvSpPr>
+        <p:spPr/>
+        <p:txBody>
+          <a:bodyPr/>
+          <a:lstStyle/>
+          <a:p>
+            <a:fld id="{1A226780-DDB0-D24E-A7AA-FA0CFD9FDC7A}" type="slidenum">
+              <a:rPr lang="en-US" smtClean="0"/>
+              <a:t>7</a:t>
+            </a:fld>
+            <a:endParaRPr lang="en-US"/>
+          </a:p>
+        </p:txBody>
+      </p:sp>
+    </p:spTree>
+    <p:extLst>
+      <p:ext uri="{BB962C8B-B14F-4D97-AF65-F5344CB8AC3E}">
+        <p14:creationId xmlns:p14="http://schemas.microsoft.com/office/powerpoint/2010/main" val="2121007797"/>
+      </p:ext>
+    </p:extLst>
+  </p:cSld>
+  <p:clrMapOvr>
+    <a:masterClrMapping/>
+  </p:clrMapOvr>
+</p:notes>
+</file>
+
+<file path=ppt/notesSlides/notesSlide5.xml><?xml version="1.0" encoding="utf-8"?>
+<p:notes xmlns:a="http://schemas.openxmlformats.org/drawingml/2006/main" xmlns:r="http://schemas.openxmlformats.org/officeDocument/2006/relationships" xmlns:p="http://schemas.openxmlformats.org/presentationml/2006/main">
+  <p:cSld>
+    <p:spTree>
+      <p:nvGrpSpPr>
+        <p:cNvPr id="1" name=""/>
+        <p:cNvGrpSpPr/>
+        <p:nvPr/>
+      </p:nvGrpSpPr>
+      <p:grpSpPr>
+        <a:xfrm>
+          <a:off x="0" y="0"/>
+          <a:ext cx="0" cy="0"/>
+          <a:chOff x="0" y="0"/>
+          <a:chExt cx="0" cy="0"/>
+        </a:xfrm>
+      </p:grpSpPr>
+      <p:sp>
+        <p:nvSpPr>
+          <p:cNvPr id="2" name="Slide Image Placeholder 1"/>
+          <p:cNvSpPr>
+            <a:spLocks noGrp="1" noRot="1" noChangeAspect="1"/>
+          </p:cNvSpPr>
+          <p:nvPr>
+            <p:ph type="sldImg"/>
+          </p:nvPr>
+        </p:nvSpPr>
+        <p:spPr/>
+      </p:sp>
+      <p:sp>
+        <p:nvSpPr>
+          <p:cNvPr id="3" name="Notes Placeholder 2"/>
+          <p:cNvSpPr>
+            <a:spLocks noGrp="1"/>
+          </p:cNvSpPr>
+          <p:nvPr>
+            <p:ph type="body" idx="1"/>
+          </p:nvPr>
+        </p:nvSpPr>
+        <p:spPr/>
+        <p:txBody>
+          <a:bodyPr/>
+          <a:lstStyle/>
+          <a:p>
+            <a:r>
+              <a:rPr lang="en-US" dirty="0"/>
+              <a:t>- Discuss how this may reduce the search space for getting to the biological story.</a:t>
+            </a:r>
+          </a:p>
+        </p:txBody>
+      </p:sp>
+      <p:sp>
+        <p:nvSpPr>
+          <p:cNvPr id="4" name="Slide Number Placeholder 3"/>
+          <p:cNvSpPr>
+            <a:spLocks noGrp="1"/>
+          </p:cNvSpPr>
+          <p:nvPr>
+            <p:ph type="sldNum" sz="quarter" idx="5"/>
+          </p:nvPr>
+        </p:nvSpPr>
+        <p:spPr/>
+        <p:txBody>
+          <a:bodyPr/>
+          <a:lstStyle/>
+          <a:p>
+            <a:fld id="{1A226780-DDB0-D24E-A7AA-FA0CFD9FDC7A}" type="slidenum">
+              <a:rPr lang="en-US" smtClean="0"/>
+              <a:t>8</a:t>
+            </a:fld>
+            <a:endParaRPr lang="en-US"/>
+          </a:p>
+        </p:txBody>
+      </p:sp>
+    </p:spTree>
+    <p:extLst>
+      <p:ext uri="{BB962C8B-B14F-4D97-AF65-F5344CB8AC3E}">
+        <p14:creationId xmlns:p14="http://schemas.microsoft.com/office/powerpoint/2010/main" val="880127073"/>
+      </p:ext>
+    </p:extLst>
+  </p:cSld>
+  <p:clrMapOvr>
+    <a:masterClrMapping/>
+  </p:clrMapOvr>
+</p:notes>
+</file>
+
+<file path=ppt/notesSlides/notesSlide6.xml><?xml version="1.0" encoding="utf-8"?>
+<p:notes xmlns:a="http://schemas.openxmlformats.org/drawingml/2006/main" xmlns:r="http://schemas.openxmlformats.org/officeDocument/2006/relationships" xmlns:p="http://schemas.openxmlformats.org/presentationml/2006/main">
+  <p:cSld>
+    <p:spTree>
+      <p:nvGrpSpPr>
+        <p:cNvPr id="1" name=""/>
+        <p:cNvGrpSpPr/>
+        <p:nvPr/>
+      </p:nvGrpSpPr>
+      <p:grpSpPr>
+        <a:xfrm>
+          <a:off x="0" y="0"/>
+          <a:ext cx="0" cy="0"/>
+          <a:chOff x="0" y="0"/>
+          <a:chExt cx="0" cy="0"/>
+        </a:xfrm>
+      </p:grpSpPr>
+      <p:sp>
+        <p:nvSpPr>
+          <p:cNvPr id="2" name="Slide Image Placeholder 1"/>
+          <p:cNvSpPr>
+            <a:spLocks noGrp="1" noRot="1" noChangeAspect="1"/>
+          </p:cNvSpPr>
+          <p:nvPr>
+            <p:ph type="sldImg"/>
+          </p:nvPr>
+        </p:nvSpPr>
+        <p:spPr/>
+      </p:sp>
+      <p:sp>
+        <p:nvSpPr>
+          <p:cNvPr id="3" name="Notes Placeholder 2"/>
+          <p:cNvSpPr>
+            <a:spLocks noGrp="1"/>
+          </p:cNvSpPr>
+          <p:nvPr>
+            <p:ph type="body" idx="1"/>
+          </p:nvPr>
+        </p:nvSpPr>
+        <p:spPr/>
+        <p:txBody>
+          <a:bodyPr/>
+          <a:lstStyle/>
+          <a:p>
+            <a:endParaRPr lang="en-US" dirty="0"/>
+          </a:p>
+        </p:txBody>
+      </p:sp>
+      <p:sp>
+        <p:nvSpPr>
+          <p:cNvPr id="4" name="Slide Number Placeholder 3"/>
+          <p:cNvSpPr>
+            <a:spLocks noGrp="1"/>
+          </p:cNvSpPr>
+          <p:nvPr>
+            <p:ph type="sldNum" sz="quarter" idx="5"/>
+          </p:nvPr>
+        </p:nvSpPr>
+        <p:spPr/>
+        <p:txBody>
+          <a:bodyPr/>
+          <a:lstStyle/>
+          <a:p>
+            <a:fld id="{1A226780-DDB0-D24E-A7AA-FA0CFD9FDC7A}" type="slidenum">
+              <a:rPr lang="en-US" smtClean="0"/>
+              <a:t>14</a:t>
+            </a:fld>
+            <a:endParaRPr lang="en-US"/>
+          </a:p>
+        </p:txBody>
+      </p:sp>
+    </p:spTree>
+    <p:extLst>
+      <p:ext uri="{BB962C8B-B14F-4D97-AF65-F5344CB8AC3E}">
+        <p14:creationId xmlns:p14="http://schemas.microsoft.com/office/powerpoint/2010/main" val="3821267658"/>
       </p:ext>
     </p:extLst>
   </p:cSld>
@@ -795,7 +1151,7 @@
           <a:p>
             <a:fld id="{E5A0D33D-4EDC-CC46-8CB2-2E1F9FF8D071}" type="datetimeFigureOut">
               <a:rPr lang="en-US" smtClean="0"/>
-              <a:t>2/18/22</a:t>
+              <a:t>2/25/22</a:t>
             </a:fld>
             <a:endParaRPr lang="en-US"/>
           </a:p>
@@ -993,7 +1349,7 @@
           <a:p>
             <a:fld id="{E5A0D33D-4EDC-CC46-8CB2-2E1F9FF8D071}" type="datetimeFigureOut">
               <a:rPr lang="en-US" smtClean="0"/>
-              <a:t>2/18/22</a:t>
+              <a:t>2/25/22</a:t>
             </a:fld>
             <a:endParaRPr lang="en-US"/>
           </a:p>
@@ -1201,7 +1557,7 @@
           <a:p>
             <a:fld id="{E5A0D33D-4EDC-CC46-8CB2-2E1F9FF8D071}" type="datetimeFigureOut">
               <a:rPr lang="en-US" smtClean="0"/>
-              <a:t>2/18/22</a:t>
+              <a:t>2/25/22</a:t>
             </a:fld>
             <a:endParaRPr lang="en-US"/>
           </a:p>
@@ -1399,7 +1755,7 @@
           <a:p>
             <a:fld id="{E5A0D33D-4EDC-CC46-8CB2-2E1F9FF8D071}" type="datetimeFigureOut">
               <a:rPr lang="en-US" smtClean="0"/>
-              <a:t>2/18/22</a:t>
+              <a:t>2/25/22</a:t>
             </a:fld>
             <a:endParaRPr lang="en-US"/>
           </a:p>
@@ -1674,7 +2030,7 @@
           <a:p>
             <a:fld id="{E5A0D33D-4EDC-CC46-8CB2-2E1F9FF8D071}" type="datetimeFigureOut">
               <a:rPr lang="en-US" smtClean="0"/>
-              <a:t>2/18/22</a:t>
+              <a:t>2/25/22</a:t>
             </a:fld>
             <a:endParaRPr lang="en-US"/>
           </a:p>
@@ -1939,7 +2295,7 @@
           <a:p>
             <a:fld id="{E5A0D33D-4EDC-CC46-8CB2-2E1F9FF8D071}" type="datetimeFigureOut">
               <a:rPr lang="en-US" smtClean="0"/>
-              <a:t>2/18/22</a:t>
+              <a:t>2/25/22</a:t>
             </a:fld>
             <a:endParaRPr lang="en-US"/>
           </a:p>
@@ -2351,7 +2707,7 @@
           <a:p>
             <a:fld id="{E5A0D33D-4EDC-CC46-8CB2-2E1F9FF8D071}" type="datetimeFigureOut">
               <a:rPr lang="en-US" smtClean="0"/>
-              <a:t>2/18/22</a:t>
+              <a:t>2/25/22</a:t>
             </a:fld>
             <a:endParaRPr lang="en-US"/>
           </a:p>
@@ -2492,7 +2848,7 @@
           <a:p>
             <a:fld id="{E5A0D33D-4EDC-CC46-8CB2-2E1F9FF8D071}" type="datetimeFigureOut">
               <a:rPr lang="en-US" smtClean="0"/>
-              <a:t>2/18/22</a:t>
+              <a:t>2/25/22</a:t>
             </a:fld>
             <a:endParaRPr lang="en-US"/>
           </a:p>
@@ -2605,7 +2961,7 @@
           <a:p>
             <a:fld id="{E5A0D33D-4EDC-CC46-8CB2-2E1F9FF8D071}" type="datetimeFigureOut">
               <a:rPr lang="en-US" smtClean="0"/>
-              <a:t>2/18/22</a:t>
+              <a:t>2/25/22</a:t>
             </a:fld>
             <a:endParaRPr lang="en-US"/>
           </a:p>
@@ -2916,7 +3272,7 @@
           <a:p>
             <a:fld id="{E5A0D33D-4EDC-CC46-8CB2-2E1F9FF8D071}" type="datetimeFigureOut">
               <a:rPr lang="en-US" smtClean="0"/>
-              <a:t>2/18/22</a:t>
+              <a:t>2/25/22</a:t>
             </a:fld>
             <a:endParaRPr lang="en-US"/>
           </a:p>
@@ -3204,7 +3560,7 @@
           <a:p>
             <a:fld id="{E5A0D33D-4EDC-CC46-8CB2-2E1F9FF8D071}" type="datetimeFigureOut">
               <a:rPr lang="en-US" smtClean="0"/>
-              <a:t>2/18/22</a:t>
+              <a:t>2/25/22</a:t>
             </a:fld>
             <a:endParaRPr lang="en-US"/>
           </a:p>
@@ -3445,7 +3801,7 @@
           <a:p>
             <a:fld id="{E5A0D33D-4EDC-CC46-8CB2-2E1F9FF8D071}" type="datetimeFigureOut">
               <a:rPr lang="en-US" smtClean="0"/>
-              <a:t>2/18/22</a:t>
+              <a:t>2/25/22</a:t>
             </a:fld>
             <a:endParaRPr lang="en-US"/>
           </a:p>
@@ -3916,12 +4272,6 @@
               <a:t>2022.02.22</a:t>
             </a:r>
           </a:p>
-          <a:p>
-            <a:r>
-              <a:rPr lang="en-US" dirty="0"/>
-              <a:t>Derek Kim</a:t>
-            </a:r>
-          </a:p>
         </p:txBody>
       </p:sp>
     </p:spTree>
@@ -3959,7 +4309,7 @@
           <p:cNvPr id="2" name="Title 1">
             <a:extLst>
               <a:ext uri="{FF2B5EF4-FFF2-40B4-BE49-F238E27FC236}">
-                <a16:creationId xmlns:a16="http://schemas.microsoft.com/office/drawing/2014/main" id="{7D79B57C-ED92-CE4A-9EBA-367096FC53C2}"/>
+                <a16:creationId xmlns:a16="http://schemas.microsoft.com/office/drawing/2014/main" id="{392502AD-879C-DE49-A5CA-214E30E0F8A0}"/>
               </a:ext>
             </a:extLst>
           </p:cNvPr>
@@ -3967,121 +4317,17 @@
             <a:spLocks noGrp="1"/>
           </p:cNvSpPr>
           <p:nvPr>
-            <p:ph type="title"/>
+            <p:ph type="ctrTitle"/>
           </p:nvPr>
         </p:nvSpPr>
-        <p:spPr>
-          <a:xfrm>
-            <a:off x="838200" y="365126"/>
-            <a:ext cx="10515600" cy="475134"/>
-          </a:xfrm>
-        </p:spPr>
-        <p:txBody>
-          <a:bodyPr>
-            <a:normAutofit fontScale="90000"/>
-          </a:bodyPr>
+        <p:spPr/>
+        <p:txBody>
+          <a:bodyPr/>
           <a:lstStyle/>
           <a:p>
             <a:r>
               <a:rPr lang="en-US" dirty="0"/>
-              <a:t>Are there more components?</a:t>
-            </a:r>
-          </a:p>
-        </p:txBody>
-      </p:sp>
-      <p:sp>
-        <p:nvSpPr>
-          <p:cNvPr id="4" name="Content Placeholder 3">
-            <a:extLst>
-              <a:ext uri="{FF2B5EF4-FFF2-40B4-BE49-F238E27FC236}">
-                <a16:creationId xmlns:a16="http://schemas.microsoft.com/office/drawing/2014/main" id="{8AD20E79-0968-B248-A9FD-F7B253826666}"/>
-              </a:ext>
-            </a:extLst>
-          </p:cNvPr>
-          <p:cNvSpPr>
-            <a:spLocks noGrp="1"/>
-          </p:cNvSpPr>
-          <p:nvPr>
-            <p:ph idx="1"/>
-          </p:nvPr>
-        </p:nvSpPr>
-        <p:spPr>
-          <a:xfrm>
-            <a:off x="838200" y="1545738"/>
-            <a:ext cx="10515600" cy="4631225"/>
-          </a:xfrm>
-        </p:spPr>
-        <p:txBody>
-          <a:bodyPr>
-            <a:normAutofit/>
-          </a:bodyPr>
-          <a:lstStyle/>
-          <a:p>
-            <a:r>
-              <a:rPr lang="en-US" sz="2000" dirty="0"/>
-              <a:t>It is unlikely that just one round of projections will explain the covariance well.</a:t>
-            </a:r>
-          </a:p>
-          <a:p>
-            <a:r>
-              <a:rPr lang="en-US" sz="2000" dirty="0"/>
-              <a:t>To generate more components, we exclude “parts” of the data (X) and target (Y) matrices that have been “explained” away by the initial round of projections.</a:t>
-            </a:r>
-          </a:p>
-          <a:p>
-            <a:r>
-              <a:rPr lang="en-US" sz="2000" dirty="0"/>
-              <a:t>In other words, we look for the residuals that remain after the first round through a process called “deflation;” then the process repeats again from step 1 to get additional orthogonal components.</a:t>
-            </a:r>
-          </a:p>
-          <a:p>
-            <a:r>
-              <a:rPr lang="en-US" sz="2000" dirty="0"/>
-              <a:t>The predictions across rounds are aggregated for a final prediction.</a:t>
-            </a:r>
-          </a:p>
-          <a:p>
-            <a:pPr marL="457200" lvl="1" indent="0">
-              <a:buNone/>
-            </a:pPr>
-            <a:endParaRPr lang="en-US" sz="1600" dirty="0"/>
-          </a:p>
-          <a:p>
-            <a:endParaRPr lang="en-US" sz="2000" dirty="0"/>
-          </a:p>
-        </p:txBody>
-      </p:sp>
-      <p:sp>
-        <p:nvSpPr>
-          <p:cNvPr id="7" name="TextBox 6">
-            <a:extLst>
-              <a:ext uri="{FF2B5EF4-FFF2-40B4-BE49-F238E27FC236}">
-                <a16:creationId xmlns:a16="http://schemas.microsoft.com/office/drawing/2014/main" id="{4678280D-DCE0-BB49-9D87-587B9B304C7E}"/>
-              </a:ext>
-            </a:extLst>
-          </p:cNvPr>
-          <p:cNvSpPr txBox="1"/>
-          <p:nvPr/>
-        </p:nvSpPr>
-        <p:spPr>
-          <a:xfrm>
-            <a:off x="838200" y="1145628"/>
-            <a:ext cx="5560881" cy="400110"/>
-          </a:xfrm>
-          <a:prstGeom prst="rect">
-            <a:avLst/>
-          </a:prstGeom>
-          <a:noFill/>
-        </p:spPr>
-        <p:txBody>
-          <a:bodyPr wrap="none" rtlCol="0">
-            <a:spAutoFit/>
-          </a:bodyPr>
-          <a:lstStyle/>
-          <a:p>
-            <a:r>
-              <a:rPr lang="en-US" sz="2000" dirty="0"/>
-              <a:t>Step 3: Optimal Prediction with One Latent Variable</a:t>
+              <a:t>Appendix</a:t>
             </a:r>
           </a:p>
         </p:txBody>
@@ -4089,7 +4335,7 @@
     </p:spTree>
     <p:extLst>
       <p:ext uri="{BB962C8B-B14F-4D97-AF65-F5344CB8AC3E}">
-        <p14:creationId xmlns:p14="http://schemas.microsoft.com/office/powerpoint/2010/main" val="1530258996"/>
+        <p14:creationId xmlns:p14="http://schemas.microsoft.com/office/powerpoint/2010/main" val="2304477854"/>
       </p:ext>
     </p:extLst>
   </p:cSld>
@@ -4146,339 +4392,112 @@
           <a:p>
             <a:r>
               <a:rPr lang="en-US" dirty="0"/>
-              <a:t>Test: Loading Factors for Additional Components</a:t>
-            </a:r>
-          </a:p>
-        </p:txBody>
-      </p:sp>
-      <p:sp>
-        <p:nvSpPr>
-          <p:cNvPr id="9" name="Content Placeholder 3">
+              <a:t>Are there more components?</a:t>
+            </a:r>
+          </a:p>
+        </p:txBody>
+      </p:sp>
+      <p:sp>
+        <p:nvSpPr>
+          <p:cNvPr id="4" name="Content Placeholder 3">
             <a:extLst>
               <a:ext uri="{FF2B5EF4-FFF2-40B4-BE49-F238E27FC236}">
-                <a16:creationId xmlns:a16="http://schemas.microsoft.com/office/drawing/2014/main" id="{ADA640E6-CF5B-9B40-B450-FE462C491C4A}"/>
+                <a16:creationId xmlns:a16="http://schemas.microsoft.com/office/drawing/2014/main" id="{8AD20E79-0968-B248-A9FD-F7B253826666}"/>
               </a:ext>
             </a:extLst>
           </p:cNvPr>
-          <p:cNvSpPr txBox="1">
-            <a:spLocks/>
+          <p:cNvSpPr>
+            <a:spLocks noGrp="1"/>
           </p:cNvSpPr>
+          <p:nvPr>
+            <p:ph idx="1"/>
+          </p:nvPr>
+        </p:nvSpPr>
+        <p:spPr>
+          <a:xfrm>
+            <a:off x="838200" y="1545738"/>
+            <a:ext cx="10515600" cy="4631225"/>
+          </a:xfrm>
+        </p:spPr>
+        <p:txBody>
+          <a:bodyPr>
+            <a:normAutofit/>
+          </a:bodyPr>
+          <a:lstStyle/>
+          <a:p>
+            <a:r>
+              <a:rPr lang="en-US" sz="2000" dirty="0"/>
+              <a:t>It is unlikely that just one round of projections will explain the covariance well.</a:t>
+            </a:r>
+          </a:p>
+          <a:p>
+            <a:r>
+              <a:rPr lang="en-US" sz="2000" dirty="0"/>
+              <a:t>To generate more components, we exclude “parts” of the data (X) and target (Y) matrices that have been “explained” away by the initial round of projections.</a:t>
+            </a:r>
+          </a:p>
+          <a:p>
+            <a:r>
+              <a:rPr lang="en-US" sz="2000" dirty="0"/>
+              <a:t>In other words, we look for the residuals that remain after the first round through a process called “deflation;” then the process repeats again from step 1 to get additional orthogonal components.</a:t>
+            </a:r>
+          </a:p>
+          <a:p>
+            <a:r>
+              <a:rPr lang="en-US" sz="2000" dirty="0"/>
+              <a:t>The predictions across rounds are aggregated for a final prediction.</a:t>
+            </a:r>
+          </a:p>
+          <a:p>
+            <a:pPr marL="457200" lvl="1" indent="0">
+              <a:buNone/>
+            </a:pPr>
+            <a:endParaRPr lang="en-US" sz="1600" dirty="0"/>
+          </a:p>
+          <a:p>
+            <a:endParaRPr lang="en-US" sz="2000" dirty="0"/>
+          </a:p>
+        </p:txBody>
+      </p:sp>
+      <p:sp>
+        <p:nvSpPr>
+          <p:cNvPr id="7" name="TextBox 6">
+            <a:extLst>
+              <a:ext uri="{FF2B5EF4-FFF2-40B4-BE49-F238E27FC236}">
+                <a16:creationId xmlns:a16="http://schemas.microsoft.com/office/drawing/2014/main" id="{4678280D-DCE0-BB49-9D87-587B9B304C7E}"/>
+              </a:ext>
+            </a:extLst>
+          </p:cNvPr>
+          <p:cNvSpPr txBox="1"/>
           <p:nvPr/>
         </p:nvSpPr>
         <p:spPr>
           <a:xfrm>
             <a:off x="838200" y="1145628"/>
-            <a:ext cx="10515600" cy="5234151"/>
+            <a:ext cx="5560881" cy="400110"/>
           </a:xfrm>
           <a:prstGeom prst="rect">
             <a:avLst/>
           </a:prstGeom>
+          <a:noFill/>
         </p:spPr>
         <p:txBody>
-          <a:bodyPr vert="horz" lIns="91440" tIns="45720" rIns="91440" bIns="45720" rtlCol="0">
-            <a:normAutofit/>
-          </a:bodyPr>
-          <a:lstStyle>
-            <a:lvl1pPr marL="228600" indent="-228600" algn="l" defTabSz="914400" rtl="0" eaLnBrk="1" latinLnBrk="0" hangingPunct="1">
-              <a:lnSpc>
-                <a:spcPct val="90000"/>
-              </a:lnSpc>
-              <a:spcBef>
-                <a:spcPts val="1000"/>
-              </a:spcBef>
-              <a:buFont typeface="Arial" panose="020B0604020202020204" pitchFamily="34" charset="0"/>
-              <a:buChar char="•"/>
-              <a:defRPr sz="2800" kern="1200">
-                <a:solidFill>
-                  <a:schemeClr val="tx1"/>
-                </a:solidFill>
-                <a:latin typeface="+mn-lt"/>
-                <a:ea typeface="+mn-ea"/>
-                <a:cs typeface="+mn-cs"/>
-              </a:defRPr>
-            </a:lvl1pPr>
-            <a:lvl2pPr marL="685800" indent="-228600" algn="l" defTabSz="914400" rtl="0" eaLnBrk="1" latinLnBrk="0" hangingPunct="1">
-              <a:lnSpc>
-                <a:spcPct val="90000"/>
-              </a:lnSpc>
-              <a:spcBef>
-                <a:spcPts val="500"/>
-              </a:spcBef>
-              <a:buFont typeface="Arial" panose="020B0604020202020204" pitchFamily="34" charset="0"/>
-              <a:buChar char="•"/>
-              <a:defRPr sz="2400" kern="1200">
-                <a:solidFill>
-                  <a:schemeClr val="tx1"/>
-                </a:solidFill>
-                <a:latin typeface="+mn-lt"/>
-                <a:ea typeface="+mn-ea"/>
-                <a:cs typeface="+mn-cs"/>
-              </a:defRPr>
-            </a:lvl2pPr>
-            <a:lvl3pPr marL="1143000" indent="-228600" algn="l" defTabSz="914400" rtl="0" eaLnBrk="1" latinLnBrk="0" hangingPunct="1">
-              <a:lnSpc>
-                <a:spcPct val="90000"/>
-              </a:lnSpc>
-              <a:spcBef>
-                <a:spcPts val="500"/>
-              </a:spcBef>
-              <a:buFont typeface="Arial" panose="020B0604020202020204" pitchFamily="34" charset="0"/>
-              <a:buChar char="•"/>
-              <a:defRPr sz="2000" kern="1200">
-                <a:solidFill>
-                  <a:schemeClr val="tx1"/>
-                </a:solidFill>
-                <a:latin typeface="+mn-lt"/>
-                <a:ea typeface="+mn-ea"/>
-                <a:cs typeface="+mn-cs"/>
-              </a:defRPr>
-            </a:lvl3pPr>
-            <a:lvl4pPr marL="1600200" indent="-228600" algn="l" defTabSz="914400" rtl="0" eaLnBrk="1" latinLnBrk="0" hangingPunct="1">
-              <a:lnSpc>
-                <a:spcPct val="90000"/>
-              </a:lnSpc>
-              <a:spcBef>
-                <a:spcPts val="500"/>
-              </a:spcBef>
-              <a:buFont typeface="Arial" panose="020B0604020202020204" pitchFamily="34" charset="0"/>
-              <a:buChar char="•"/>
-              <a:defRPr sz="1800" kern="1200">
-                <a:solidFill>
-                  <a:schemeClr val="tx1"/>
-                </a:solidFill>
-                <a:latin typeface="+mn-lt"/>
-                <a:ea typeface="+mn-ea"/>
-                <a:cs typeface="+mn-cs"/>
-              </a:defRPr>
-            </a:lvl4pPr>
-            <a:lvl5pPr marL="2057400" indent="-228600" algn="l" defTabSz="914400" rtl="0" eaLnBrk="1" latinLnBrk="0" hangingPunct="1">
-              <a:lnSpc>
-                <a:spcPct val="90000"/>
-              </a:lnSpc>
-              <a:spcBef>
-                <a:spcPts val="500"/>
-              </a:spcBef>
-              <a:buFont typeface="Arial" panose="020B0604020202020204" pitchFamily="34" charset="0"/>
-              <a:buChar char="•"/>
-              <a:defRPr sz="1800" kern="1200">
-                <a:solidFill>
-                  <a:schemeClr val="tx1"/>
-                </a:solidFill>
-                <a:latin typeface="+mn-lt"/>
-                <a:ea typeface="+mn-ea"/>
-                <a:cs typeface="+mn-cs"/>
-              </a:defRPr>
-            </a:lvl5pPr>
-            <a:lvl6pPr marL="2514600" indent="-228600" algn="l" defTabSz="914400" rtl="0" eaLnBrk="1" latinLnBrk="0" hangingPunct="1">
-              <a:lnSpc>
-                <a:spcPct val="90000"/>
-              </a:lnSpc>
-              <a:spcBef>
-                <a:spcPts val="500"/>
-              </a:spcBef>
-              <a:buFont typeface="Arial" panose="020B0604020202020204" pitchFamily="34" charset="0"/>
-              <a:buChar char="•"/>
-              <a:defRPr sz="1800" kern="1200">
-                <a:solidFill>
-                  <a:schemeClr val="tx1"/>
-                </a:solidFill>
-                <a:latin typeface="+mn-lt"/>
-                <a:ea typeface="+mn-ea"/>
-                <a:cs typeface="+mn-cs"/>
-              </a:defRPr>
-            </a:lvl6pPr>
-            <a:lvl7pPr marL="2971800" indent="-228600" algn="l" defTabSz="914400" rtl="0" eaLnBrk="1" latinLnBrk="0" hangingPunct="1">
-              <a:lnSpc>
-                <a:spcPct val="90000"/>
-              </a:lnSpc>
-              <a:spcBef>
-                <a:spcPts val="500"/>
-              </a:spcBef>
-              <a:buFont typeface="Arial" panose="020B0604020202020204" pitchFamily="34" charset="0"/>
-              <a:buChar char="•"/>
-              <a:defRPr sz="1800" kern="1200">
-                <a:solidFill>
-                  <a:schemeClr val="tx1"/>
-                </a:solidFill>
-                <a:latin typeface="+mn-lt"/>
-                <a:ea typeface="+mn-ea"/>
-                <a:cs typeface="+mn-cs"/>
-              </a:defRPr>
-            </a:lvl7pPr>
-            <a:lvl8pPr marL="3429000" indent="-228600" algn="l" defTabSz="914400" rtl="0" eaLnBrk="1" latinLnBrk="0" hangingPunct="1">
-              <a:lnSpc>
-                <a:spcPct val="90000"/>
-              </a:lnSpc>
-              <a:spcBef>
-                <a:spcPts val="500"/>
-              </a:spcBef>
-              <a:buFont typeface="Arial" panose="020B0604020202020204" pitchFamily="34" charset="0"/>
-              <a:buChar char="•"/>
-              <a:defRPr sz="1800" kern="1200">
-                <a:solidFill>
-                  <a:schemeClr val="tx1"/>
-                </a:solidFill>
-                <a:latin typeface="+mn-lt"/>
-                <a:ea typeface="+mn-ea"/>
-                <a:cs typeface="+mn-cs"/>
-              </a:defRPr>
-            </a:lvl8pPr>
-            <a:lvl9pPr marL="3886200" indent="-228600" algn="l" defTabSz="914400" rtl="0" eaLnBrk="1" latinLnBrk="0" hangingPunct="1">
-              <a:lnSpc>
-                <a:spcPct val="90000"/>
-              </a:lnSpc>
-              <a:spcBef>
-                <a:spcPts val="500"/>
-              </a:spcBef>
-              <a:buFont typeface="Arial" panose="020B0604020202020204" pitchFamily="34" charset="0"/>
-              <a:buChar char="•"/>
-              <a:defRPr sz="1800" kern="1200">
-                <a:solidFill>
-                  <a:schemeClr val="tx1"/>
-                </a:solidFill>
-                <a:latin typeface="+mn-lt"/>
-                <a:ea typeface="+mn-ea"/>
-                <a:cs typeface="+mn-cs"/>
-              </a:defRPr>
-            </a:lvl9pPr>
-          </a:lstStyle>
-          <a:p>
-            <a:pPr lvl="1"/>
-            <a:endParaRPr lang="en-US" sz="1600" dirty="0"/>
-          </a:p>
-          <a:p>
-            <a:pPr lvl="1"/>
-            <a:endParaRPr lang="en-US" sz="1600" dirty="0"/>
-          </a:p>
-          <a:p>
-            <a:pPr lvl="1"/>
-            <a:endParaRPr lang="en-US" sz="1600" dirty="0"/>
-          </a:p>
-          <a:p>
-            <a:pPr lvl="1"/>
-            <a:endParaRPr lang="en-US" sz="1600" dirty="0"/>
-          </a:p>
-          <a:p>
-            <a:pPr lvl="1"/>
-            <a:endParaRPr lang="en-US" sz="1600" dirty="0"/>
-          </a:p>
-          <a:p>
-            <a:pPr lvl="1"/>
-            <a:endParaRPr lang="en-US" sz="1600" dirty="0"/>
-          </a:p>
-          <a:p>
-            <a:pPr lvl="1"/>
-            <a:endParaRPr lang="en-US" sz="1600" dirty="0"/>
-          </a:p>
-          <a:p>
-            <a:pPr marL="0" indent="0">
-              <a:buNone/>
-            </a:pPr>
-            <a:endParaRPr lang="en-US" sz="2000" dirty="0"/>
-          </a:p>
-          <a:p>
-            <a:pPr marL="457200" lvl="1" indent="0">
-              <a:buFont typeface="Arial" panose="020B0604020202020204" pitchFamily="34" charset="0"/>
-              <a:buNone/>
-            </a:pPr>
-            <a:endParaRPr lang="en-US" sz="1600" dirty="0"/>
-          </a:p>
-          <a:p>
-            <a:endParaRPr lang="en-US" sz="2000" dirty="0"/>
-          </a:p>
-        </p:txBody>
-      </p:sp>
-      <p:sp>
-        <p:nvSpPr>
-          <p:cNvPr id="15" name="Rectangle 14">
-            <a:extLst>
-              <a:ext uri="{FF2B5EF4-FFF2-40B4-BE49-F238E27FC236}">
-                <a16:creationId xmlns:a16="http://schemas.microsoft.com/office/drawing/2014/main" id="{2E5219B9-32E9-3B4F-99F0-BE60344010D8}"/>
-              </a:ext>
-            </a:extLst>
-          </p:cNvPr>
-          <p:cNvSpPr/>
-          <p:nvPr/>
-        </p:nvSpPr>
-        <p:spPr>
-          <a:xfrm>
-            <a:off x="1362781" y="5027269"/>
-            <a:ext cx="9466438" cy="923330"/>
-          </a:xfrm>
-          <a:prstGeom prst="rect">
-            <a:avLst/>
-          </a:prstGeom>
-        </p:spPr>
-        <p:txBody>
-          <a:bodyPr wrap="square">
+          <a:bodyPr wrap="none" rtlCol="0">
             <a:spAutoFit/>
           </a:bodyPr>
           <a:lstStyle/>
           <a:p>
             <a:r>
-              <a:rPr lang="en-US" b="0" i="0" dirty="0">
-                <a:effectLst/>
-                <a:latin typeface="Calibri" panose="020F0502020204030204" pitchFamily="34" charset="0"/>
-                <a:cs typeface="Calibri" panose="020F0502020204030204" pitchFamily="34" charset="0"/>
-              </a:rPr>
-              <a:t>Because matrix deflation involves creating orthogonal components,</a:t>
-            </a:r>
-            <a:r>
-              <a:rPr lang="en-US" dirty="0">
-                <a:latin typeface="Calibri" panose="020F0502020204030204" pitchFamily="34" charset="0"/>
-                <a:cs typeface="Calibri" panose="020F0502020204030204" pitchFamily="34" charset="0"/>
-              </a:rPr>
-              <a:t> by the time we reach component 2, the loadings are no longer sparse; one possible approach is to take the selected variables from the initial round and then do a full PLSDA.</a:t>
-            </a:r>
-            <a:r>
-              <a:rPr lang="en-US" b="0" i="0" dirty="0">
-                <a:effectLst/>
-                <a:latin typeface="Calibri" panose="020F0502020204030204" pitchFamily="34" charset="0"/>
-                <a:cs typeface="Calibri" panose="020F0502020204030204" pitchFamily="34" charset="0"/>
-              </a:rPr>
-              <a:t> </a:t>
-            </a:r>
-            <a:endParaRPr lang="en-US" dirty="0">
-              <a:latin typeface="Calibri" panose="020F0502020204030204" pitchFamily="34" charset="0"/>
-              <a:cs typeface="Calibri" panose="020F0502020204030204" pitchFamily="34" charset="0"/>
-            </a:endParaRPr>
-          </a:p>
-        </p:txBody>
-      </p:sp>
-      <p:pic>
-        <p:nvPicPr>
-          <p:cNvPr id="16" name="Picture 15" descr="Chart, funnel chart&#10;&#10;Description automatically generated">
-            <a:extLst>
-              <a:ext uri="{FF2B5EF4-FFF2-40B4-BE49-F238E27FC236}">
-                <a16:creationId xmlns:a16="http://schemas.microsoft.com/office/drawing/2014/main" id="{ECC961EC-AE4A-D047-94A9-9F1E2F710337}"/>
-              </a:ext>
-            </a:extLst>
-          </p:cNvPr>
-          <p:cNvPicPr>
-            <a:picLocks noChangeAspect="1"/>
-          </p:cNvPicPr>
-          <p:nvPr/>
-        </p:nvPicPr>
-        <p:blipFill>
-          <a:blip r:embed="rId2"/>
-          <a:stretch>
-            <a:fillRect/>
-          </a:stretch>
-        </p:blipFill>
-        <p:spPr>
-          <a:xfrm>
-            <a:off x="3729390" y="1315354"/>
-            <a:ext cx="4733220" cy="3711915"/>
-          </a:xfrm>
-          <a:prstGeom prst="rect">
-            <a:avLst/>
-          </a:prstGeom>
-        </p:spPr>
-      </p:pic>
+              <a:rPr lang="en-US" sz="2000" dirty="0"/>
+              <a:t>Step 3: Optimal Prediction with One Latent Variable</a:t>
+            </a:r>
+          </a:p>
+        </p:txBody>
+      </p:sp>
     </p:spTree>
     <p:extLst>
       <p:ext uri="{BB962C8B-B14F-4D97-AF65-F5344CB8AC3E}">
-        <p14:creationId xmlns:p14="http://schemas.microsoft.com/office/powerpoint/2010/main" val="2114194565"/>
+        <p14:creationId xmlns:p14="http://schemas.microsoft.com/office/powerpoint/2010/main" val="1530258996"/>
       </p:ext>
     </p:extLst>
   </p:cSld>
@@ -7494,7 +7513,7 @@
             </a:r>
             <a:r>
               <a:rPr lang="en-US" sz="1200" dirty="0">
-                <a:hlinkClick r:id="rId2"/>
+                <a:hlinkClick r:id="rId3"/>
               </a:rPr>
               <a:t>https://www.youtube.com/watch?v=Px2otK2nZ1c</a:t>
             </a:r>
@@ -7520,7 +7539,7 @@
           <p:nvPr/>
         </p:nvPicPr>
         <p:blipFill>
-          <a:blip r:embed="rId3"/>
+          <a:blip r:embed="rId4"/>
           <a:stretch>
             <a:fillRect/>
           </a:stretch>
@@ -9897,7 +9916,7 @@
                 <p:nvPr/>
               </p:nvPicPr>
               <p:blipFill>
-                <a:blip r:embed="rId2"/>
+                <a:blip r:embed="rId3"/>
                 <a:stretch>
                   <a:fillRect/>
                 </a:stretch>
@@ -9927,7 +9946,7 @@
                 <p:nvPr/>
               </p:nvPicPr>
               <p:blipFill>
-                <a:blip r:embed="rId3"/>
+                <a:blip r:embed="rId4"/>
                 <a:stretch>
                   <a:fillRect/>
                 </a:stretch>
@@ -9957,7 +9976,7 @@
                 <p:nvPr/>
               </p:nvPicPr>
               <p:blipFill>
-                <a:blip r:embed="rId4"/>
+                <a:blip r:embed="rId5"/>
                 <a:stretch>
                   <a:fillRect/>
                 </a:stretch>
@@ -9987,7 +10006,7 @@
                 <p:nvPr/>
               </p:nvPicPr>
               <p:blipFill>
-                <a:blip r:embed="rId5"/>
+                <a:blip r:embed="rId6"/>
                 <a:stretch>
                   <a:fillRect/>
                 </a:stretch>
@@ -10018,7 +10037,7 @@
               <p:nvPr/>
             </p:nvPicPr>
             <p:blipFill>
-              <a:blip r:embed="rId6"/>
+              <a:blip r:embed="rId7"/>
               <a:stretch>
                 <a:fillRect/>
               </a:stretch>
@@ -10048,7 +10067,7 @@
               <p:nvPr/>
             </p:nvPicPr>
             <p:blipFill>
-              <a:blip r:embed="rId7"/>
+              <a:blip r:embed="rId8"/>
               <a:stretch>
                 <a:fillRect/>
               </a:stretch>
@@ -10079,7 +10098,7 @@
             <p:nvPr/>
           </p:nvPicPr>
           <p:blipFill>
-            <a:blip r:embed="rId8"/>
+            <a:blip r:embed="rId9"/>
             <a:stretch>
               <a:fillRect/>
             </a:stretch>
@@ -10109,7 +10128,7 @@
             <p:nvPr/>
           </p:nvPicPr>
           <p:blipFill>
-            <a:blip r:embed="rId9"/>
+            <a:blip r:embed="rId10"/>
             <a:stretch>
               <a:fillRect/>
             </a:stretch>
@@ -10462,7 +10481,7 @@
             <p:nvPr/>
           </p:nvPicPr>
           <p:blipFill>
-            <a:blip r:embed="rId2"/>
+            <a:blip r:embed="rId3"/>
             <a:stretch>
               <a:fillRect/>
             </a:stretch>
@@ -10492,7 +10511,7 @@
             <p:nvPr/>
           </p:nvPicPr>
           <p:blipFill>
-            <a:blip r:embed="rId3"/>
+            <a:blip r:embed="rId4"/>
             <a:stretch>
               <a:fillRect/>
             </a:stretch>
@@ -10587,7 +10606,7 @@
           <p:nvPr/>
         </p:nvPicPr>
         <p:blipFill>
-          <a:blip r:embed="rId4"/>
+          <a:blip r:embed="rId5"/>
           <a:stretch>
             <a:fillRect/>
           </a:stretch>
@@ -10617,7 +10636,7 @@
           <p:nvPr/>
         </p:nvPicPr>
         <p:blipFill>
-          <a:blip r:embed="rId5"/>
+          <a:blip r:embed="rId6"/>
           <a:stretch>
             <a:fillRect/>
           </a:stretch>
@@ -10626,6 +10645,36 @@
           <a:xfrm>
             <a:off x="6091500" y="1311825"/>
             <a:ext cx="4737718" cy="3715442"/>
+          </a:xfrm>
+          <a:prstGeom prst="rect">
+            <a:avLst/>
+          </a:prstGeom>
+        </p:spPr>
+      </p:pic>
+      <p:pic>
+        <p:nvPicPr>
+          <p:cNvPr id="4" name="Picture 3" descr="Chart&#10;&#10;Description automatically generated">
+            <a:extLst>
+              <a:ext uri="{FF2B5EF4-FFF2-40B4-BE49-F238E27FC236}">
+                <a16:creationId xmlns:a16="http://schemas.microsoft.com/office/drawing/2014/main" id="{54C1C903-6317-A442-AD7D-E03C9A69F7CB}"/>
+              </a:ext>
+            </a:extLst>
+          </p:cNvPr>
+          <p:cNvPicPr>
+            <a:picLocks noChangeAspect="1"/>
+          </p:cNvPicPr>
+          <p:nvPr/>
+        </p:nvPicPr>
+        <p:blipFill>
+          <a:blip r:embed="rId7"/>
+          <a:stretch>
+            <a:fillRect/>
+          </a:stretch>
+        </p:blipFill>
+        <p:spPr>
+          <a:xfrm>
+            <a:off x="1362781" y="1311825"/>
+            <a:ext cx="4737719" cy="3715443"/>
           </a:xfrm>
           <a:prstGeom prst="rect">
             <a:avLst/>
@@ -10667,7 +10716,7 @@
           <p:cNvPr id="2" name="Title 1">
             <a:extLst>
               <a:ext uri="{FF2B5EF4-FFF2-40B4-BE49-F238E27FC236}">
-                <a16:creationId xmlns:a16="http://schemas.microsoft.com/office/drawing/2014/main" id="{392502AD-879C-DE49-A5CA-214E30E0F8A0}"/>
+                <a16:creationId xmlns:a16="http://schemas.microsoft.com/office/drawing/2014/main" id="{7D79B57C-ED92-CE4A-9EBA-367096FC53C2}"/>
               </a:ext>
             </a:extLst>
           </p:cNvPr>
@@ -10675,25 +10724,85 @@
             <a:spLocks noGrp="1"/>
           </p:cNvSpPr>
           <p:nvPr>
-            <p:ph type="ctrTitle"/>
+            <p:ph type="title"/>
           </p:nvPr>
         </p:nvSpPr>
-        <p:spPr/>
-        <p:txBody>
-          <a:bodyPr/>
+        <p:spPr>
+          <a:xfrm>
+            <a:off x="838200" y="365126"/>
+            <a:ext cx="10515600" cy="475134"/>
+          </a:xfrm>
+        </p:spPr>
+        <p:txBody>
+          <a:bodyPr>
+            <a:normAutofit fontScale="90000"/>
+          </a:bodyPr>
           <a:lstStyle/>
           <a:p>
             <a:r>
               <a:rPr lang="en-US" dirty="0"/>
-              <a:t>Appendix</a:t>
-            </a:r>
+              <a:t>Limitations</a:t>
+            </a:r>
+          </a:p>
+        </p:txBody>
+      </p:sp>
+      <p:sp>
+        <p:nvSpPr>
+          <p:cNvPr id="8" name="Content Placeholder 5">
+            <a:extLst>
+              <a:ext uri="{FF2B5EF4-FFF2-40B4-BE49-F238E27FC236}">
+                <a16:creationId xmlns:a16="http://schemas.microsoft.com/office/drawing/2014/main" id="{9EADA4C1-0899-A540-8330-B8AE05204C76}"/>
+              </a:ext>
+            </a:extLst>
+          </p:cNvPr>
+          <p:cNvSpPr>
+            <a:spLocks noGrp="1"/>
+          </p:cNvSpPr>
+          <p:nvPr>
+            <p:ph idx="1"/>
+          </p:nvPr>
+        </p:nvSpPr>
+        <p:spPr>
+          <a:xfrm>
+            <a:off x="838200" y="1044260"/>
+            <a:ext cx="10515600" cy="5132703"/>
+          </a:xfrm>
+        </p:spPr>
+        <p:txBody>
+          <a:bodyPr>
+            <a:normAutofit/>
+          </a:bodyPr>
+          <a:lstStyle/>
+          <a:p>
+            <a:r>
+              <a:rPr lang="en-US" sz="2400" dirty="0"/>
+              <a:t>Still a linear approach (can be overcome with kernel methods but at the cost of interpretability).</a:t>
+            </a:r>
+          </a:p>
+          <a:p>
+            <a:pPr marL="0" indent="0">
+              <a:buNone/>
+            </a:pPr>
+            <a:endParaRPr lang="en-US" sz="2400" dirty="0"/>
+          </a:p>
+          <a:p>
+            <a:r>
+              <a:rPr lang="en-US" sz="2400" dirty="0"/>
+              <a:t>No way to factor in complex biological priors; e.g. pathways that inputs belong to can be accounted for with block PLS, but causal directionality within each pathway would be very difficult to incorporate.</a:t>
+            </a:r>
+          </a:p>
+          <a:p>
+            <a:endParaRPr lang="en-US" sz="2400" dirty="0"/>
+          </a:p>
+          <a:p>
+            <a:endParaRPr lang="en-US" dirty="0"/>
           </a:p>
         </p:txBody>
       </p:sp>
     </p:spTree>
     <p:extLst>
       <p:ext uri="{BB962C8B-B14F-4D97-AF65-F5344CB8AC3E}">
-        <p14:creationId xmlns:p14="http://schemas.microsoft.com/office/powerpoint/2010/main" val="2304477854"/>
+        <p14:creationId xmlns:p14="http://schemas.microsoft.com/office/powerpoint/2010/main" val="1534251791"/>
       </p:ext>
     </p:extLst>
   </p:cSld>

--- a/PCR_v_PLS.pptx
+++ b/PCR_v_PLS.pptx
@@ -10542,7 +10542,7 @@
         <p:spPr>
           <a:xfrm>
             <a:off x="1362781" y="5027269"/>
-            <a:ext cx="9466438" cy="923330"/>
+            <a:ext cx="9466438" cy="1200329"/>
           </a:xfrm>
           <a:prstGeom prst="rect">
             <a:avLst/>
@@ -10576,7 +10576,7 @@
                 <a:latin typeface="Calibri" panose="020F0502020204030204" pitchFamily="34" charset="0"/>
                 <a:cs typeface="Calibri" panose="020F0502020204030204" pitchFamily="34" charset="0"/>
               </a:rPr>
-              <a:t> may bear some value in narrowing down the list of molecules of interest.</a:t>
+              <a:t> may bear some value in narrowing down the list of molecules of interest while being more predictive power than sPCR.</a:t>
             </a:r>
             <a:br>
               <a:rPr lang="en-US" dirty="0">

--- a/PCR_v_PLS.pptx
+++ b/PCR_v_PLS.pptx
@@ -5,7 +5,7 @@
     <p:sldMasterId id="2147483648" r:id="rId1"/>
   </p:sldMasterIdLst>
   <p:notesMasterIdLst>
-    <p:notesMasterId r:id="rId16"/>
+    <p:notesMasterId r:id="rId15"/>
   </p:notesMasterIdLst>
   <p:sldIdLst>
     <p:sldId id="256" r:id="rId2"/>
@@ -19,9 +19,8 @@
     <p:sldId id="273" r:id="rId10"/>
     <p:sldId id="268" r:id="rId11"/>
     <p:sldId id="260" r:id="rId12"/>
-    <p:sldId id="270" r:id="rId13"/>
-    <p:sldId id="272" r:id="rId14"/>
-    <p:sldId id="271" r:id="rId15"/>
+    <p:sldId id="272" r:id="rId13"/>
+    <p:sldId id="271" r:id="rId14"/>
   </p:sldIdLst>
   <p:sldSz cx="12192000" cy="6858000"/>
   <p:notesSz cx="6858000" cy="9144000"/>
@@ -985,7 +984,7 @@
           <a:p>
             <a:fld id="{1A226780-DDB0-D24E-A7AA-FA0CFD9FDC7A}" type="slidenum">
               <a:rPr lang="en-US" smtClean="0"/>
-              <a:t>14</a:t>
+              <a:t>13</a:t>
             </a:fld>
             <a:endParaRPr lang="en-US"/>
           </a:p>
@@ -4554,7 +4553,35 @@
           <a:p>
             <a:r>
               <a:rPr lang="en-US" dirty="0"/>
-              <a:t>Test: Performance Based on Selected Variables</a:t>
+              <a:t>Test</a:t>
+            </a:r>
+            <a:r>
+              <a:rPr lang="ko-KR" altLang="en-US" dirty="0"/>
+              <a:t> </a:t>
+            </a:r>
+            <a:r>
+              <a:rPr lang="en-US" altLang="ko-KR" dirty="0"/>
+              <a:t>2</a:t>
+            </a:r>
+            <a:r>
+              <a:rPr lang="en-US" dirty="0"/>
+              <a:t>: </a:t>
+            </a:r>
+            <a:r>
+              <a:rPr lang="en-US" dirty="0" err="1"/>
+              <a:t>NutriMouse</a:t>
+            </a:r>
+            <a:r>
+              <a:rPr lang="en-US" dirty="0"/>
+              <a:t> Dataset</a:t>
+            </a:r>
+            <a:r>
+              <a:rPr lang="en-US" baseline="30000" dirty="0"/>
+              <a:t>1</a:t>
+            </a:r>
+            <a:r>
+              <a:rPr lang="en-US" dirty="0"/>
+              <a:t> – Overview</a:t>
             </a:r>
           </a:p>
         </p:txBody>
@@ -4798,358 +4825,22 @@
       </p:sp>
       <p:sp>
         <p:nvSpPr>
-          <p:cNvPr id="15" name="Rectangle 14">
-            <a:extLst>
-              <a:ext uri="{FF2B5EF4-FFF2-40B4-BE49-F238E27FC236}">
-                <a16:creationId xmlns:a16="http://schemas.microsoft.com/office/drawing/2014/main" id="{2E5219B9-32E9-3B4F-99F0-BE60344010D8}"/>
-              </a:ext>
-            </a:extLst>
-          </p:cNvPr>
-          <p:cNvSpPr/>
+          <p:cNvPr id="6" name="Content Placeholder 3">
+            <a:extLst>
+              <a:ext uri="{FF2B5EF4-FFF2-40B4-BE49-F238E27FC236}">
+                <a16:creationId xmlns:a16="http://schemas.microsoft.com/office/drawing/2014/main" id="{335F60EC-C91D-5446-8E13-C88C5D32DEE7}"/>
+              </a:ext>
+            </a:extLst>
+          </p:cNvPr>
+          <p:cNvSpPr txBox="1">
+            <a:spLocks/>
+          </p:cNvSpPr>
           <p:nvPr/>
         </p:nvSpPr>
         <p:spPr>
           <a:xfrm>
-            <a:off x="1362781" y="3429000"/>
-            <a:ext cx="9466438" cy="646331"/>
-          </a:xfrm>
-          <a:prstGeom prst="rect">
-            <a:avLst/>
-          </a:prstGeom>
-        </p:spPr>
-        <p:txBody>
-          <a:bodyPr wrap="square">
-            <a:spAutoFit/>
-          </a:bodyPr>
-          <a:lstStyle/>
-          <a:p>
-            <a:r>
-              <a:rPr lang="en-US" dirty="0">
-                <a:latin typeface="Calibri" panose="020F0502020204030204" pitchFamily="34" charset="0"/>
-                <a:cs typeface="Calibri" panose="020F0502020204030204" pitchFamily="34" charset="0"/>
-              </a:rPr>
-              <a:t>Conducting full PLSDA with the selected variables, the scores are even better; the variable selection process seems reasonably robust based on this result. The scores are based on 40 runs.</a:t>
-            </a:r>
-          </a:p>
-        </p:txBody>
-      </p:sp>
-      <p:graphicFrame>
-        <p:nvGraphicFramePr>
-          <p:cNvPr id="6" name="Table 5">
-            <a:extLst>
-              <a:ext uri="{FF2B5EF4-FFF2-40B4-BE49-F238E27FC236}">
-                <a16:creationId xmlns:a16="http://schemas.microsoft.com/office/drawing/2014/main" id="{830ADD3C-D0FC-824A-9F2D-5ABCEEE360AD}"/>
-              </a:ext>
-            </a:extLst>
-          </p:cNvPr>
-          <p:cNvGraphicFramePr>
-            <a:graphicFrameLocks noGrp="1"/>
-          </p:cNvGraphicFramePr>
-          <p:nvPr>
-            <p:extLst>
-              <p:ext uri="{D42A27DB-BD31-4B8C-83A1-F6EECF244321}">
-                <p14:modId xmlns:p14="http://schemas.microsoft.com/office/powerpoint/2010/main" val="3988427860"/>
-              </p:ext>
-            </p:extLst>
-          </p:nvPr>
-        </p:nvGraphicFramePr>
-        <p:xfrm>
-          <a:off x="1706874" y="1943366"/>
-          <a:ext cx="8262922" cy="687896"/>
-        </p:xfrm>
-        <a:graphic>
-          <a:graphicData uri="http://schemas.openxmlformats.org/drawingml/2006/table">
-            <a:tbl>
-              <a:tblPr firstRow="1" bandRow="1">
-                <a:tableStyleId>{5C22544A-7EE6-4342-B048-85BDC9FD1C3A}</a:tableStyleId>
-              </a:tblPr>
-              <a:tblGrid>
-                <a:gridCol w="2477909">
-                  <a:extLst>
-                    <a:ext uri="{9D8B030D-6E8A-4147-A177-3AD203B41FA5}">
-                      <a16:colId xmlns:a16="http://schemas.microsoft.com/office/drawing/2014/main" val="2178002650"/>
-                    </a:ext>
-                  </a:extLst>
-                </a:gridCol>
-                <a:gridCol w="2849336">
-                  <a:extLst>
-                    <a:ext uri="{9D8B030D-6E8A-4147-A177-3AD203B41FA5}">
-                      <a16:colId xmlns:a16="http://schemas.microsoft.com/office/drawing/2014/main" val="2245971477"/>
-                    </a:ext>
-                  </a:extLst>
-                </a:gridCol>
-                <a:gridCol w="2935677">
-                  <a:extLst>
-                    <a:ext uri="{9D8B030D-6E8A-4147-A177-3AD203B41FA5}">
-                      <a16:colId xmlns:a16="http://schemas.microsoft.com/office/drawing/2014/main" val="2066947779"/>
-                    </a:ext>
-                  </a:extLst>
-                </a:gridCol>
-              </a:tblGrid>
-              <a:tr h="368681">
-                <a:tc>
-                  <a:txBody>
-                    <a:bodyPr/>
-                    <a:lstStyle/>
-                    <a:p>
-                      <a:pPr algn="l" fontAlgn="b"/>
-                      <a:r>
-                        <a:rPr lang="en-US" sz="1800" b="1" i="0" u="none" strike="noStrike" dirty="0">
-                          <a:solidFill>
-                            <a:srgbClr val="000000"/>
-                          </a:solidFill>
-                          <a:effectLst/>
-                          <a:latin typeface="Calibri" panose="020F0502020204030204" pitchFamily="34" charset="0"/>
-                        </a:rPr>
-                        <a:t>Method</a:t>
-                      </a:r>
-                    </a:p>
-                  </a:txBody>
-                  <a:tcPr marL="14415" marR="14415" marT="14415" marB="0" anchor="b"/>
-                </a:tc>
-                <a:tc>
-                  <a:txBody>
-                    <a:bodyPr/>
-                    <a:lstStyle/>
-                    <a:p>
-                      <a:pPr algn="l" fontAlgn="b"/>
-                      <a:r>
-                        <a:rPr lang="en-US" sz="2000" b="1" u="none" strike="noStrike" dirty="0">
-                          <a:effectLst/>
-                        </a:rPr>
-                        <a:t>Mean Test Macro-F1 (SD)</a:t>
-                      </a:r>
-                      <a:endParaRPr lang="en-US" sz="2000" b="1" i="0" u="none" strike="noStrike" dirty="0">
-                        <a:solidFill>
-                          <a:srgbClr val="000000"/>
-                        </a:solidFill>
-                        <a:effectLst/>
-                        <a:latin typeface="Calibri" panose="020F0502020204030204" pitchFamily="34" charset="0"/>
-                      </a:endParaRPr>
-                    </a:p>
-                  </a:txBody>
-                  <a:tcPr marL="14415" marR="14415" marT="14415" marB="0" anchor="b"/>
-                </a:tc>
-                <a:tc>
-                  <a:txBody>
-                    <a:bodyPr/>
-                    <a:lstStyle/>
-                    <a:p>
-                      <a:pPr algn="l" fontAlgn="b"/>
-                      <a:r>
-                        <a:rPr lang="en-US" sz="2000" b="1" u="none" strike="noStrike" dirty="0">
-                          <a:effectLst/>
-                        </a:rPr>
-                        <a:t>Mean Test Micro-F1 (SD)</a:t>
-                      </a:r>
-                      <a:endParaRPr lang="en-US" sz="2000" b="1" i="0" u="none" strike="noStrike" dirty="0">
-                        <a:solidFill>
-                          <a:srgbClr val="000000"/>
-                        </a:solidFill>
-                        <a:effectLst/>
-                        <a:latin typeface="Calibri" panose="020F0502020204030204" pitchFamily="34" charset="0"/>
-                      </a:endParaRPr>
-                    </a:p>
-                  </a:txBody>
-                  <a:tcPr marL="14415" marR="14415" marT="14415" marB="0" anchor="b"/>
-                </a:tc>
-                <a:extLst>
-                  <a:ext uri="{0D108BD9-81ED-4DB2-BD59-A6C34878D82A}">
-                    <a16:rowId xmlns:a16="http://schemas.microsoft.com/office/drawing/2014/main" val="84032760"/>
-                  </a:ext>
-                </a:extLst>
-              </a:tr>
-              <a:tr h="0">
-                <a:tc>
-                  <a:txBody>
-                    <a:bodyPr/>
-                    <a:lstStyle/>
-                    <a:p>
-                      <a:pPr algn="l" fontAlgn="b"/>
-                      <a:r>
-                        <a:rPr lang="en-US" sz="2000" u="none" strike="noStrike" dirty="0">
-                          <a:effectLst/>
-                        </a:rPr>
-                        <a:t>PLSDA</a:t>
-                      </a:r>
-                      <a:endParaRPr lang="en-US" sz="2000" b="0" i="0" u="none" strike="noStrike" dirty="0">
-                        <a:solidFill>
-                          <a:srgbClr val="000000"/>
-                        </a:solidFill>
-                        <a:effectLst/>
-                        <a:latin typeface="Calibri" panose="020F0502020204030204" pitchFamily="34" charset="0"/>
-                      </a:endParaRPr>
-                    </a:p>
-                  </a:txBody>
-                  <a:tcPr marL="14415" marR="14415" marT="14415" marB="0" anchor="b"/>
-                </a:tc>
-                <a:tc>
-                  <a:txBody>
-                    <a:bodyPr/>
-                    <a:lstStyle/>
-                    <a:p>
-                      <a:pPr algn="r" fontAlgn="b"/>
-                      <a:r>
-                        <a:rPr lang="en-US" sz="1600" u="none" strike="noStrike" dirty="0">
-                          <a:effectLst/>
-                        </a:rPr>
-                        <a:t>0.98 (0.047)</a:t>
-                      </a:r>
-                      <a:endParaRPr lang="en-US" sz="1600" b="0" i="0" u="none" strike="noStrike" dirty="0">
-                        <a:solidFill>
-                          <a:srgbClr val="000000"/>
-                        </a:solidFill>
-                        <a:effectLst/>
-                        <a:latin typeface="Calibri" panose="020F0502020204030204" pitchFamily="34" charset="0"/>
-                      </a:endParaRPr>
-                    </a:p>
-                  </a:txBody>
-                  <a:tcPr marL="14415" marR="14415" marT="14415" marB="0" anchor="b"/>
-                </a:tc>
-                <a:tc>
-                  <a:txBody>
-                    <a:bodyPr/>
-                    <a:lstStyle/>
-                    <a:p>
-                      <a:pPr algn="r" fontAlgn="b"/>
-                      <a:r>
-                        <a:rPr lang="en-US" sz="1600" u="none" strike="noStrike" dirty="0">
-                          <a:effectLst/>
-                        </a:rPr>
-                        <a:t>0.98 (0.041)</a:t>
-                      </a:r>
-                      <a:endParaRPr lang="en-US" sz="1600" b="0" i="0" u="none" strike="noStrike" dirty="0">
-                        <a:solidFill>
-                          <a:srgbClr val="000000"/>
-                        </a:solidFill>
-                        <a:effectLst/>
-                        <a:latin typeface="Calibri" panose="020F0502020204030204" pitchFamily="34" charset="0"/>
-                      </a:endParaRPr>
-                    </a:p>
-                  </a:txBody>
-                  <a:tcPr marL="14415" marR="14415" marT="14415" marB="0" anchor="b"/>
-                </a:tc>
-                <a:extLst>
-                  <a:ext uri="{0D108BD9-81ED-4DB2-BD59-A6C34878D82A}">
-                    <a16:rowId xmlns:a16="http://schemas.microsoft.com/office/drawing/2014/main" val="1139839881"/>
-                  </a:ext>
-                </a:extLst>
-              </a:tr>
-            </a:tbl>
-          </a:graphicData>
-        </a:graphic>
-      </p:graphicFrame>
-    </p:spTree>
-    <p:extLst>
-      <p:ext uri="{BB962C8B-B14F-4D97-AF65-F5344CB8AC3E}">
-        <p14:creationId xmlns:p14="http://schemas.microsoft.com/office/powerpoint/2010/main" val="850292961"/>
-      </p:ext>
-    </p:extLst>
-  </p:cSld>
-  <p:clrMapOvr>
-    <a:masterClrMapping/>
-  </p:clrMapOvr>
-</p:sld>
-</file>
-
-<file path=ppt/slides/slide13.xml><?xml version="1.0" encoding="utf-8"?>
-<p:sld xmlns:a="http://schemas.openxmlformats.org/drawingml/2006/main" xmlns:r="http://schemas.openxmlformats.org/officeDocument/2006/relationships" xmlns:p="http://schemas.openxmlformats.org/presentationml/2006/main">
-  <p:cSld>
-    <p:spTree>
-      <p:nvGrpSpPr>
-        <p:cNvPr id="1" name=""/>
-        <p:cNvGrpSpPr/>
-        <p:nvPr/>
-      </p:nvGrpSpPr>
-      <p:grpSpPr>
-        <a:xfrm>
-          <a:off x="0" y="0"/>
-          <a:ext cx="0" cy="0"/>
-          <a:chOff x="0" y="0"/>
-          <a:chExt cx="0" cy="0"/>
-        </a:xfrm>
-      </p:grpSpPr>
-      <p:sp>
-        <p:nvSpPr>
-          <p:cNvPr id="2" name="Title 1">
-            <a:extLst>
-              <a:ext uri="{FF2B5EF4-FFF2-40B4-BE49-F238E27FC236}">
-                <a16:creationId xmlns:a16="http://schemas.microsoft.com/office/drawing/2014/main" id="{7D79B57C-ED92-CE4A-9EBA-367096FC53C2}"/>
-              </a:ext>
-            </a:extLst>
-          </p:cNvPr>
-          <p:cNvSpPr>
-            <a:spLocks noGrp="1"/>
-          </p:cNvSpPr>
-          <p:nvPr>
-            <p:ph type="title"/>
-          </p:nvPr>
-        </p:nvSpPr>
-        <p:spPr>
-          <a:xfrm>
-            <a:off x="838200" y="365126"/>
-            <a:ext cx="10515600" cy="475134"/>
-          </a:xfrm>
-        </p:spPr>
-        <p:txBody>
-          <a:bodyPr>
-            <a:normAutofit fontScale="90000"/>
-          </a:bodyPr>
-          <a:lstStyle/>
-          <a:p>
-            <a:r>
-              <a:rPr lang="en-US" dirty="0"/>
-              <a:t>Test</a:t>
-            </a:r>
-            <a:r>
-              <a:rPr lang="ko-KR" altLang="en-US" dirty="0"/>
-              <a:t> </a:t>
-            </a:r>
-            <a:r>
-              <a:rPr lang="en-US" altLang="ko-KR" dirty="0"/>
-              <a:t>2</a:t>
-            </a:r>
-            <a:r>
-              <a:rPr lang="en-US" dirty="0"/>
-              <a:t>: </a:t>
-            </a:r>
-            <a:r>
-              <a:rPr lang="en-US" dirty="0" err="1"/>
-              <a:t>NutriMouse</a:t>
-            </a:r>
-            <a:r>
-              <a:rPr lang="en-US" dirty="0"/>
-              <a:t> Dataset</a:t>
-            </a:r>
-            <a:r>
-              <a:rPr lang="en-US" baseline="30000" dirty="0"/>
-              <a:t>1</a:t>
-            </a:r>
-            <a:r>
-              <a:rPr lang="en-US" dirty="0"/>
-              <a:t> – Overview</a:t>
-            </a:r>
-          </a:p>
-        </p:txBody>
-      </p:sp>
-      <p:sp>
-        <p:nvSpPr>
-          <p:cNvPr id="9" name="Content Placeholder 3">
-            <a:extLst>
-              <a:ext uri="{FF2B5EF4-FFF2-40B4-BE49-F238E27FC236}">
-                <a16:creationId xmlns:a16="http://schemas.microsoft.com/office/drawing/2014/main" id="{ADA640E6-CF5B-9B40-B450-FE462C491C4A}"/>
-              </a:ext>
-            </a:extLst>
-          </p:cNvPr>
-          <p:cNvSpPr txBox="1">
-            <a:spLocks/>
-          </p:cNvSpPr>
-          <p:nvPr/>
-        </p:nvSpPr>
-        <p:spPr>
-          <a:xfrm>
-            <a:off x="838200" y="1145628"/>
-            <a:ext cx="10515600" cy="5234151"/>
+            <a:off x="838199" y="1145628"/>
+            <a:ext cx="9539177" cy="5234151"/>
           </a:xfrm>
           <a:prstGeom prst="rect">
             <a:avLst/>
@@ -5324,243 +5015,6 @@
             </a:lvl9pPr>
           </a:lstStyle>
           <a:p>
-            <a:pPr lvl="1"/>
-            <a:endParaRPr lang="en-US" sz="1600" dirty="0"/>
-          </a:p>
-          <a:p>
-            <a:pPr lvl="1"/>
-            <a:endParaRPr lang="en-US" sz="1600" dirty="0"/>
-          </a:p>
-          <a:p>
-            <a:pPr lvl="1"/>
-            <a:endParaRPr lang="en-US" sz="1600" dirty="0"/>
-          </a:p>
-          <a:p>
-            <a:pPr lvl="1"/>
-            <a:endParaRPr lang="en-US" sz="1600" dirty="0"/>
-          </a:p>
-          <a:p>
-            <a:pPr lvl="1"/>
-            <a:endParaRPr lang="en-US" sz="1600" dirty="0"/>
-          </a:p>
-          <a:p>
-            <a:pPr lvl="1"/>
-            <a:endParaRPr lang="en-US" sz="1600" dirty="0"/>
-          </a:p>
-          <a:p>
-            <a:pPr lvl="1"/>
-            <a:endParaRPr lang="en-US" sz="1600" dirty="0"/>
-          </a:p>
-          <a:p>
-            <a:pPr marL="0" indent="0">
-              <a:buNone/>
-            </a:pPr>
-            <a:endParaRPr lang="en-US" sz="2000" dirty="0"/>
-          </a:p>
-          <a:p>
-            <a:pPr marL="457200" lvl="1" indent="0">
-              <a:buFont typeface="Arial" panose="020B0604020202020204" pitchFamily="34" charset="0"/>
-              <a:buNone/>
-            </a:pPr>
-            <a:endParaRPr lang="en-US" sz="1600" dirty="0"/>
-          </a:p>
-          <a:p>
-            <a:endParaRPr lang="en-US" sz="2000" dirty="0"/>
-          </a:p>
-        </p:txBody>
-      </p:sp>
-      <p:sp>
-        <p:nvSpPr>
-          <p:cNvPr id="6" name="Content Placeholder 3">
-            <a:extLst>
-              <a:ext uri="{FF2B5EF4-FFF2-40B4-BE49-F238E27FC236}">
-                <a16:creationId xmlns:a16="http://schemas.microsoft.com/office/drawing/2014/main" id="{335F60EC-C91D-5446-8E13-C88C5D32DEE7}"/>
-              </a:ext>
-            </a:extLst>
-          </p:cNvPr>
-          <p:cNvSpPr txBox="1">
-            <a:spLocks/>
-          </p:cNvSpPr>
-          <p:nvPr/>
-        </p:nvSpPr>
-        <p:spPr>
-          <a:xfrm>
-            <a:off x="838199" y="1145628"/>
-            <a:ext cx="9539177" cy="5234151"/>
-          </a:xfrm>
-          <a:prstGeom prst="rect">
-            <a:avLst/>
-          </a:prstGeom>
-        </p:spPr>
-        <p:txBody>
-          <a:bodyPr vert="horz" lIns="91440" tIns="45720" rIns="91440" bIns="45720" rtlCol="0">
-            <a:normAutofit/>
-          </a:bodyPr>
-          <a:lstStyle>
-            <a:lvl1pPr marL="228600" indent="-228600" algn="l" defTabSz="914400" rtl="0" eaLnBrk="1" latinLnBrk="0" hangingPunct="1">
-              <a:lnSpc>
-                <a:spcPct val="90000"/>
-              </a:lnSpc>
-              <a:spcBef>
-                <a:spcPts val="1000"/>
-              </a:spcBef>
-              <a:buFont typeface="Arial" panose="020B0604020202020204" pitchFamily="34" charset="0"/>
-              <a:buChar char="•"/>
-              <a:defRPr sz="2800" kern="1200">
-                <a:solidFill>
-                  <a:schemeClr val="tx1"/>
-                </a:solidFill>
-                <a:latin typeface="+mn-lt"/>
-                <a:ea typeface="+mn-ea"/>
-                <a:cs typeface="+mn-cs"/>
-              </a:defRPr>
-            </a:lvl1pPr>
-            <a:lvl2pPr marL="685800" indent="-228600" algn="l" defTabSz="914400" rtl="0" eaLnBrk="1" latinLnBrk="0" hangingPunct="1">
-              <a:lnSpc>
-                <a:spcPct val="90000"/>
-              </a:lnSpc>
-              <a:spcBef>
-                <a:spcPts val="500"/>
-              </a:spcBef>
-              <a:buFont typeface="Arial" panose="020B0604020202020204" pitchFamily="34" charset="0"/>
-              <a:buChar char="•"/>
-              <a:defRPr sz="2400" kern="1200">
-                <a:solidFill>
-                  <a:schemeClr val="tx1"/>
-                </a:solidFill>
-                <a:latin typeface="+mn-lt"/>
-                <a:ea typeface="+mn-ea"/>
-                <a:cs typeface="+mn-cs"/>
-              </a:defRPr>
-            </a:lvl2pPr>
-            <a:lvl3pPr marL="1143000" indent="-228600" algn="l" defTabSz="914400" rtl="0" eaLnBrk="1" latinLnBrk="0" hangingPunct="1">
-              <a:lnSpc>
-                <a:spcPct val="90000"/>
-              </a:lnSpc>
-              <a:spcBef>
-                <a:spcPts val="500"/>
-              </a:spcBef>
-              <a:buFont typeface="Arial" panose="020B0604020202020204" pitchFamily="34" charset="0"/>
-              <a:buChar char="•"/>
-              <a:defRPr sz="2000" kern="1200">
-                <a:solidFill>
-                  <a:schemeClr val="tx1"/>
-                </a:solidFill>
-                <a:latin typeface="+mn-lt"/>
-                <a:ea typeface="+mn-ea"/>
-                <a:cs typeface="+mn-cs"/>
-              </a:defRPr>
-            </a:lvl3pPr>
-            <a:lvl4pPr marL="1600200" indent="-228600" algn="l" defTabSz="914400" rtl="0" eaLnBrk="1" latinLnBrk="0" hangingPunct="1">
-              <a:lnSpc>
-                <a:spcPct val="90000"/>
-              </a:lnSpc>
-              <a:spcBef>
-                <a:spcPts val="500"/>
-              </a:spcBef>
-              <a:buFont typeface="Arial" panose="020B0604020202020204" pitchFamily="34" charset="0"/>
-              <a:buChar char="•"/>
-              <a:defRPr sz="1800" kern="1200">
-                <a:solidFill>
-                  <a:schemeClr val="tx1"/>
-                </a:solidFill>
-                <a:latin typeface="+mn-lt"/>
-                <a:ea typeface="+mn-ea"/>
-                <a:cs typeface="+mn-cs"/>
-              </a:defRPr>
-            </a:lvl4pPr>
-            <a:lvl5pPr marL="2057400" indent="-228600" algn="l" defTabSz="914400" rtl="0" eaLnBrk="1" latinLnBrk="0" hangingPunct="1">
-              <a:lnSpc>
-                <a:spcPct val="90000"/>
-              </a:lnSpc>
-              <a:spcBef>
-                <a:spcPts val="500"/>
-              </a:spcBef>
-              <a:buFont typeface="Arial" panose="020B0604020202020204" pitchFamily="34" charset="0"/>
-              <a:buChar char="•"/>
-              <a:defRPr sz="1800" kern="1200">
-                <a:solidFill>
-                  <a:schemeClr val="tx1"/>
-                </a:solidFill>
-                <a:latin typeface="+mn-lt"/>
-                <a:ea typeface="+mn-ea"/>
-                <a:cs typeface="+mn-cs"/>
-              </a:defRPr>
-            </a:lvl5pPr>
-            <a:lvl6pPr marL="2514600" indent="-228600" algn="l" defTabSz="914400" rtl="0" eaLnBrk="1" latinLnBrk="0" hangingPunct="1">
-              <a:lnSpc>
-                <a:spcPct val="90000"/>
-              </a:lnSpc>
-              <a:spcBef>
-                <a:spcPts val="500"/>
-              </a:spcBef>
-              <a:buFont typeface="Arial" panose="020B0604020202020204" pitchFamily="34" charset="0"/>
-              <a:buChar char="•"/>
-              <a:defRPr sz="1800" kern="1200">
-                <a:solidFill>
-                  <a:schemeClr val="tx1"/>
-                </a:solidFill>
-                <a:latin typeface="+mn-lt"/>
-                <a:ea typeface="+mn-ea"/>
-                <a:cs typeface="+mn-cs"/>
-              </a:defRPr>
-            </a:lvl6pPr>
-            <a:lvl7pPr marL="2971800" indent="-228600" algn="l" defTabSz="914400" rtl="0" eaLnBrk="1" latinLnBrk="0" hangingPunct="1">
-              <a:lnSpc>
-                <a:spcPct val="90000"/>
-              </a:lnSpc>
-              <a:spcBef>
-                <a:spcPts val="500"/>
-              </a:spcBef>
-              <a:buFont typeface="Arial" panose="020B0604020202020204" pitchFamily="34" charset="0"/>
-              <a:buChar char="•"/>
-              <a:defRPr sz="1800" kern="1200">
-                <a:solidFill>
-                  <a:schemeClr val="tx1"/>
-                </a:solidFill>
-                <a:latin typeface="+mn-lt"/>
-                <a:ea typeface="+mn-ea"/>
-                <a:cs typeface="+mn-cs"/>
-              </a:defRPr>
-            </a:lvl7pPr>
-            <a:lvl8pPr marL="3429000" indent="-228600" algn="l" defTabSz="914400" rtl="0" eaLnBrk="1" latinLnBrk="0" hangingPunct="1">
-              <a:lnSpc>
-                <a:spcPct val="90000"/>
-              </a:lnSpc>
-              <a:spcBef>
-                <a:spcPts val="500"/>
-              </a:spcBef>
-              <a:buFont typeface="Arial" panose="020B0604020202020204" pitchFamily="34" charset="0"/>
-              <a:buChar char="•"/>
-              <a:defRPr sz="1800" kern="1200">
-                <a:solidFill>
-                  <a:schemeClr val="tx1"/>
-                </a:solidFill>
-                <a:latin typeface="+mn-lt"/>
-                <a:ea typeface="+mn-ea"/>
-                <a:cs typeface="+mn-cs"/>
-              </a:defRPr>
-            </a:lvl8pPr>
-            <a:lvl9pPr marL="3886200" indent="-228600" algn="l" defTabSz="914400" rtl="0" eaLnBrk="1" latinLnBrk="0" hangingPunct="1">
-              <a:lnSpc>
-                <a:spcPct val="90000"/>
-              </a:lnSpc>
-              <a:spcBef>
-                <a:spcPts val="500"/>
-              </a:spcBef>
-              <a:buFont typeface="Arial" panose="020B0604020202020204" pitchFamily="34" charset="0"/>
-              <a:buChar char="•"/>
-              <a:defRPr sz="1800" kern="1200">
-                <a:solidFill>
-                  <a:schemeClr val="tx1"/>
-                </a:solidFill>
-                <a:latin typeface="+mn-lt"/>
-                <a:ea typeface="+mn-ea"/>
-                <a:cs typeface="+mn-cs"/>
-              </a:defRPr>
-            </a:lvl9pPr>
-          </a:lstStyle>
-          <a:p>
             <a:r>
               <a:rPr lang="en-US" sz="2000" dirty="0"/>
               <a:t>The dataset contains expression measure of 120 genes potentially involved in nutritional problems and the concentrations of 21 hepatic fatty acids for 40 mice.</a:t>
@@ -5700,7 +5154,7 @@
 </p:sld>
 </file>
 
-<file path=ppt/slides/slide14.xml><?xml version="1.0" encoding="utf-8"?>
+<file path=ppt/slides/slide13.xml><?xml version="1.0" encoding="utf-8"?>
 <p:sld xmlns:a="http://schemas.openxmlformats.org/drawingml/2006/main" xmlns:r="http://schemas.openxmlformats.org/officeDocument/2006/relationships" xmlns:p="http://schemas.openxmlformats.org/presentationml/2006/main">
   <p:cSld>
     <p:spTree>
